--- a/PPTs/Lecture 0-course overview.pptx
+++ b/PPTs/Lecture 0-course overview.pptx
@@ -5,14 +5,15 @@
     <p:sldMasterId id="2147483648" r:id="rId1"/>
   </p:sldMasterIdLst>
   <p:notesMasterIdLst>
-    <p:notesMasterId r:id="rId7"/>
+    <p:notesMasterId r:id="rId8"/>
   </p:notesMasterIdLst>
   <p:sldIdLst>
     <p:sldId id="256" r:id="rId2"/>
     <p:sldId id="261" r:id="rId3"/>
     <p:sldId id="265" r:id="rId4"/>
     <p:sldId id="264" r:id="rId5"/>
-    <p:sldId id="263" r:id="rId6"/>
+    <p:sldId id="266" r:id="rId6"/>
+    <p:sldId id="263" r:id="rId7"/>
   </p:sldIdLst>
   <p:sldSz cx="9144000" cy="6858000" type="screen4x3"/>
   <p:notesSz cx="6858000" cy="9144000"/>
@@ -4041,7 +4042,7 @@
               </a:lnSpc>
             </a:pPr>
             <a:r>
-              <a:rPr lang="en-GB" dirty="0"/>
+              <a:rPr lang="en-GB" b="1" dirty="0"/>
               <a:t>Two sections:</a:t>
             </a:r>
           </a:p>
@@ -4052,7 +4053,7 @@
               </a:lnSpc>
             </a:pPr>
             <a:r>
-              <a:rPr lang="en-US" sz="1600" dirty="0"/>
+              <a:rPr lang="en-US" dirty="0"/>
               <a:t>CSC-112-01SIC 0230 MW 11:20 AM-12:45 PM</a:t>
             </a:r>
           </a:p>
@@ -4063,7 +4064,7 @@
               </a:lnSpc>
             </a:pPr>
             <a:r>
-              <a:rPr lang="en-US" sz="1600" dirty="0"/>
+              <a:rPr lang="en-US" dirty="0"/>
               <a:t>CSC-112-B SIC 0126 MW 6:00 PM-7:25 PM</a:t>
             </a:r>
           </a:p>
@@ -4314,10 +4315,7 @@
               </a:rPr>
               <a:t>https://cs162.org/</a:t>
             </a:r>
-            <a:r>
-              <a:rPr lang="en-GB" dirty="0"/>
-              <a:t>  </a:t>
-            </a:r>
+            <a:endParaRPr lang="en-GB" dirty="0"/>
           </a:p>
           <a:p>
             <a:pPr lvl="1" fontAlgn="base">
@@ -4325,6 +4323,20 @@
                 <a:spcPct val="130000"/>
               </a:lnSpc>
             </a:pPr>
+            <a:r>
+              <a:rPr lang="fr-FR" dirty="0"/>
+              <a:t>Lectures 2020: </a:t>
+            </a:r>
+            <a:r>
+              <a:rPr lang="fr-FR" dirty="0">
+                <a:hlinkClick r:id="rId4"/>
+              </a:rPr>
+              <a:t>https://www.youtube.com/playlist?list=PLF2K2xZjNEf97A_uBCwEl61sdxWVP7VWC</a:t>
+            </a:r>
+            <a:r>
+              <a:rPr lang="fr-FR" dirty="0"/>
+              <a:t> </a:t>
+            </a:r>
             <a:endParaRPr lang="en-US" dirty="0"/>
           </a:p>
         </p:txBody>
@@ -4343,6 +4355,120 @@
 </file>
 
 <file path=ppt/slides/slide5.xml><?xml version="1.0" encoding="utf-8"?>
+<p:sld xmlns:a="http://schemas.openxmlformats.org/drawingml/2006/main" xmlns:r="http://schemas.openxmlformats.org/officeDocument/2006/relationships" xmlns:p="http://schemas.openxmlformats.org/presentationml/2006/main">
+  <p:cSld>
+    <p:spTree>
+      <p:nvGrpSpPr>
+        <p:cNvPr id="1" name=""/>
+        <p:cNvGrpSpPr/>
+        <p:nvPr/>
+      </p:nvGrpSpPr>
+      <p:grpSpPr>
+        <a:xfrm>
+          <a:off x="0" y="0"/>
+          <a:ext cx="0" cy="0"/>
+          <a:chOff x="0" y="0"/>
+          <a:chExt cx="0" cy="0"/>
+        </a:xfrm>
+      </p:grpSpPr>
+      <p:sp>
+        <p:nvSpPr>
+          <p:cNvPr id="2" name="Title 1">
+            <a:extLst>
+              <a:ext uri="{FF2B5EF4-FFF2-40B4-BE49-F238E27FC236}">
+                <a16:creationId xmlns:a16="http://schemas.microsoft.com/office/drawing/2014/main" id="{E9DDF503-556C-2336-E1F2-3FF989A94FC6}"/>
+              </a:ext>
+            </a:extLst>
+          </p:cNvPr>
+          <p:cNvSpPr>
+            <a:spLocks noGrp="1"/>
+          </p:cNvSpPr>
+          <p:nvPr>
+            <p:ph type="title"/>
+          </p:nvPr>
+        </p:nvSpPr>
+        <p:spPr/>
+        <p:txBody>
+          <a:bodyPr/>
+          <a:lstStyle/>
+          <a:p>
+            <a:r>
+              <a:rPr lang="en-US" dirty="0"/>
+              <a:t>Lab Assignments</a:t>
+            </a:r>
+            <a:endParaRPr lang="en-SE" dirty="0"/>
+          </a:p>
+        </p:txBody>
+      </p:sp>
+      <p:sp>
+        <p:nvSpPr>
+          <p:cNvPr id="3" name="Content Placeholder 2">
+            <a:extLst>
+              <a:ext uri="{FF2B5EF4-FFF2-40B4-BE49-F238E27FC236}">
+                <a16:creationId xmlns:a16="http://schemas.microsoft.com/office/drawing/2014/main" id="{73B5D58E-C189-E68D-1A4E-DF494F94B82C}"/>
+              </a:ext>
+            </a:extLst>
+          </p:cNvPr>
+          <p:cNvSpPr>
+            <a:spLocks noGrp="1"/>
+          </p:cNvSpPr>
+          <p:nvPr>
+            <p:ph idx="1"/>
+          </p:nvPr>
+        </p:nvSpPr>
+        <p:spPr>
+          <a:xfrm>
+            <a:off x="545690" y="1268114"/>
+            <a:ext cx="8229600" cy="4525963"/>
+          </a:xfrm>
+        </p:spPr>
+        <p:txBody>
+          <a:bodyPr/>
+          <a:lstStyle/>
+          <a:p>
+            <a:r>
+              <a:rPr lang="en-US" dirty="0"/>
+              <a:t>Two lab assignments</a:t>
+            </a:r>
+          </a:p>
+          <a:p>
+            <a:pPr lvl="1"/>
+            <a:r>
+              <a:rPr lang="en-US" dirty="0"/>
+              <a:t>Please sign up on Canvas to form groups of </a:t>
+            </a:r>
+            <a:r>
+              <a:rPr lang="en-US"/>
+              <a:t>1-3 students each</a:t>
+            </a:r>
+            <a:endParaRPr lang="en-US" dirty="0"/>
+          </a:p>
+          <a:p>
+            <a:pPr lvl="1"/>
+            <a:r>
+              <a:rPr lang="en-US" dirty="0"/>
+              <a:t>Details to be added later</a:t>
+            </a:r>
+          </a:p>
+          <a:p>
+            <a:endParaRPr lang="en-SE" dirty="0"/>
+          </a:p>
+        </p:txBody>
+      </p:sp>
+    </p:spTree>
+    <p:extLst>
+      <p:ext uri="{BB962C8B-B14F-4D97-AF65-F5344CB8AC3E}">
+        <p14:creationId xmlns:p14="http://schemas.microsoft.com/office/powerpoint/2010/main" val="3623278074"/>
+      </p:ext>
+    </p:extLst>
+  </p:cSld>
+  <p:clrMapOvr>
+    <a:masterClrMapping/>
+  </p:clrMapOvr>
+</p:sld>
+</file>
+
+<file path=ppt/slides/slide6.xml><?xml version="1.0" encoding="utf-8"?>
 <p:sld xmlns:a="http://schemas.openxmlformats.org/drawingml/2006/main" xmlns:r="http://schemas.openxmlformats.org/officeDocument/2006/relationships" xmlns:p="http://schemas.openxmlformats.org/presentationml/2006/main">
   <p:cSld>
     <p:spTree>
@@ -4689,7 +4815,7 @@
                 <a:latin typeface="Times New Roman" panose="02020603050405020304" pitchFamily="18" charset="0"/>
                 <a:cs typeface="Times New Roman" panose="02020603050405020304" pitchFamily="18" charset="0"/>
               </a:rPr>
-              <a:t>Final exam: 40%</a:t>
+              <a:t>Final exam: 50%</a:t>
             </a:r>
           </a:p>
           <a:p>
@@ -4706,7 +4832,7 @@
                 <a:latin typeface="Times New Roman" panose="02020603050405020304" pitchFamily="18" charset="0"/>
                 <a:cs typeface="Times New Roman" panose="02020603050405020304" pitchFamily="18" charset="0"/>
               </a:rPr>
-              <a:t>Three Labs: 30%</a:t>
+              <a:t>Two Labs: 20%</a:t>
             </a:r>
           </a:p>
           <a:p>

--- a/PPTs/Lecture 0-course overview.pptx
+++ b/PPTs/Lecture 0-course overview.pptx
@@ -213,7 +213,7 @@
           <a:p>
             <a:fld id="{42A0EB13-15AA-4F17-85B5-7D7BBF18EB40}" type="datetimeFigureOut">
               <a:rPr lang="en-SE" smtClean="0"/>
-              <a:t>2025-01-27</a:t>
+              <a:t>2025-04-04</a:t>
             </a:fld>
             <a:endParaRPr lang="en-SE"/>
           </a:p>
@@ -863,7 +863,7 @@
           <a:p>
             <a:fld id="{FB221443-D73C-634A-A910-7320408C156D}" type="datetimeFigureOut">
               <a:rPr lang="en-US" smtClean="0"/>
-              <a:t>1/27/2025</a:t>
+              <a:t>4/4/2025</a:t>
             </a:fld>
             <a:endParaRPr lang="en-US"/>
           </a:p>
@@ -1033,7 +1033,7 @@
           <a:p>
             <a:fld id="{FB221443-D73C-634A-A910-7320408C156D}" type="datetimeFigureOut">
               <a:rPr lang="en-US" smtClean="0"/>
-              <a:t>1/27/2025</a:t>
+              <a:t>4/4/2025</a:t>
             </a:fld>
             <a:endParaRPr lang="en-US"/>
           </a:p>
@@ -1213,7 +1213,7 @@
           <a:p>
             <a:fld id="{FB221443-D73C-634A-A910-7320408C156D}" type="datetimeFigureOut">
               <a:rPr lang="en-US" smtClean="0"/>
-              <a:t>1/27/2025</a:t>
+              <a:t>4/4/2025</a:t>
             </a:fld>
             <a:endParaRPr lang="en-US"/>
           </a:p>
@@ -1383,7 +1383,7 @@
           <a:p>
             <a:fld id="{FB221443-D73C-634A-A910-7320408C156D}" type="datetimeFigureOut">
               <a:rPr lang="en-US" smtClean="0"/>
-              <a:t>1/27/2025</a:t>
+              <a:t>4/4/2025</a:t>
             </a:fld>
             <a:endParaRPr lang="en-US"/>
           </a:p>
@@ -1629,7 +1629,7 @@
           <a:p>
             <a:fld id="{FB221443-D73C-634A-A910-7320408C156D}" type="datetimeFigureOut">
               <a:rPr lang="en-US" smtClean="0"/>
-              <a:t>1/27/2025</a:t>
+              <a:t>4/4/2025</a:t>
             </a:fld>
             <a:endParaRPr lang="en-US"/>
           </a:p>
@@ -1917,7 +1917,7 @@
           <a:p>
             <a:fld id="{FB221443-D73C-634A-A910-7320408C156D}" type="datetimeFigureOut">
               <a:rPr lang="en-US" smtClean="0"/>
-              <a:t>1/27/2025</a:t>
+              <a:t>4/4/2025</a:t>
             </a:fld>
             <a:endParaRPr lang="en-US"/>
           </a:p>
@@ -2339,7 +2339,7 @@
           <a:p>
             <a:fld id="{FB221443-D73C-634A-A910-7320408C156D}" type="datetimeFigureOut">
               <a:rPr lang="en-US" smtClean="0"/>
-              <a:t>1/27/2025</a:t>
+              <a:t>4/4/2025</a:t>
             </a:fld>
             <a:endParaRPr lang="en-US"/>
           </a:p>
@@ -2457,7 +2457,7 @@
           <a:p>
             <a:fld id="{FB221443-D73C-634A-A910-7320408C156D}" type="datetimeFigureOut">
               <a:rPr lang="en-US" smtClean="0"/>
-              <a:t>1/27/2025</a:t>
+              <a:t>4/4/2025</a:t>
             </a:fld>
             <a:endParaRPr lang="en-US"/>
           </a:p>
@@ -2552,7 +2552,7 @@
           <a:p>
             <a:fld id="{FB221443-D73C-634A-A910-7320408C156D}" type="datetimeFigureOut">
               <a:rPr lang="en-US" smtClean="0"/>
-              <a:t>1/27/2025</a:t>
+              <a:t>4/4/2025</a:t>
             </a:fld>
             <a:endParaRPr lang="en-US"/>
           </a:p>
@@ -2829,7 +2829,7 @@
           <a:p>
             <a:fld id="{FB221443-D73C-634A-A910-7320408C156D}" type="datetimeFigureOut">
               <a:rPr lang="en-US" smtClean="0"/>
-              <a:t>1/27/2025</a:t>
+              <a:t>4/4/2025</a:t>
             </a:fld>
             <a:endParaRPr lang="en-US"/>
           </a:p>
@@ -3082,7 +3082,7 @@
           <a:p>
             <a:fld id="{FB221443-D73C-634A-A910-7320408C156D}" type="datetimeFigureOut">
               <a:rPr lang="en-US" smtClean="0"/>
-              <a:t>1/27/2025</a:t>
+              <a:t>4/4/2025</a:t>
             </a:fld>
             <a:endParaRPr lang="en-US"/>
           </a:p>
@@ -3295,7 +3295,7 @@
           <a:p>
             <a:fld id="{FB221443-D73C-634A-A910-7320408C156D}" type="datetimeFigureOut">
               <a:rPr lang="en-US" smtClean="0"/>
-              <a:t>1/27/2025</a:t>
+              <a:t>4/4/2025</a:t>
             </a:fld>
             <a:endParaRPr lang="en-US"/>
           </a:p>
@@ -4815,7 +4815,21 @@
                 <a:latin typeface="Times New Roman" panose="02020603050405020304" pitchFamily="18" charset="0"/>
                 <a:cs typeface="Times New Roman" panose="02020603050405020304" pitchFamily="18" charset="0"/>
               </a:rPr>
-              <a:t>Final exam: 50%</a:t>
+              <a:t>Final exam</a:t>
+            </a:r>
+            <a:r>
+              <a:rPr lang="en-GB" altLang="x-none" sz="2000" kern="0">
+                <a:latin typeface="Times New Roman" panose="02020603050405020304" pitchFamily="18" charset="0"/>
+                <a:cs typeface="Times New Roman" panose="02020603050405020304" pitchFamily="18" charset="0"/>
+              </a:rPr>
+              <a:t>: 40</a:t>
+            </a:r>
+            <a:r>
+              <a:rPr lang="en-GB" altLang="x-none" sz="2000" kern="0" dirty="0">
+                <a:latin typeface="Times New Roman" panose="02020603050405020304" pitchFamily="18" charset="0"/>
+                <a:cs typeface="Times New Roman" panose="02020603050405020304" pitchFamily="18" charset="0"/>
+              </a:rPr>
+              <a:t>%</a:t>
             </a:r>
           </a:p>
           <a:p>
@@ -4832,7 +4846,7 @@
                 <a:latin typeface="Times New Roman" panose="02020603050405020304" pitchFamily="18" charset="0"/>
                 <a:cs typeface="Times New Roman" panose="02020603050405020304" pitchFamily="18" charset="0"/>
               </a:rPr>
-              <a:t>Two Labs: 20%</a:t>
+              <a:t>Three Labs: 30%</a:t>
             </a:r>
           </a:p>
           <a:p>

--- a/PPTs/Lecture 0-course overview.pptx
+++ b/PPTs/Lecture 0-course overview.pptx
@@ -4427,21 +4427,20 @@
           <a:lstStyle/>
           <a:p>
             <a:r>
+              <a:rPr lang="en-US"/>
+              <a:t>Three </a:t>
+            </a:r>
+            <a:r>
               <a:rPr lang="en-US" dirty="0"/>
-              <a:t>Two lab assignments</a:t>
+              <a:t>lab assignments</a:t>
             </a:r>
           </a:p>
           <a:p>
             <a:pPr lvl="1"/>
             <a:r>
               <a:rPr lang="en-US" dirty="0"/>
-              <a:t>Please sign up on Canvas to form groups of </a:t>
-            </a:r>
-            <a:r>
-              <a:rPr lang="en-US"/>
-              <a:t>1-3 students each</a:t>
-            </a:r>
-            <a:endParaRPr lang="en-US" dirty="0"/>
+              <a:t>Please sign up on Canvas to form groups of 1-3 students each</a:t>
+            </a:r>
           </a:p>
           <a:p>
             <a:pPr lvl="1"/>

--- a/PPTs/Lecture 0-course overview.pptx
+++ b/PPTs/Lecture 0-course overview.pptx
@@ -144,12 +144,12 @@
   <pc:docChgLst>
     <pc:chgData name="Zonghua Gu" userId="9a7e1853e1951ef5" providerId="LiveId" clId="{CF1FAA12-072C-4ED5-BA76-0FFFAEFDB88A}"/>
     <pc:docChg chg="undo redo custSel addSld delSld modSld">
-      <pc:chgData name="Zonghua Gu" userId="9a7e1853e1951ef5" providerId="LiveId" clId="{CF1FAA12-072C-4ED5-BA76-0FFFAEFDB88A}" dt="2025-09-02T17:53:13.371" v="353" actId="20577"/>
+      <pc:chgData name="Zonghua Gu" userId="9a7e1853e1951ef5" providerId="LiveId" clId="{CF1FAA12-072C-4ED5-BA76-0FFFAEFDB88A}" dt="2025-09-03T00:33:53.486" v="364" actId="20577"/>
       <pc:docMkLst>
         <pc:docMk/>
       </pc:docMkLst>
       <pc:sldChg chg="modSp mod">
-        <pc:chgData name="Zonghua Gu" userId="9a7e1853e1951ef5" providerId="LiveId" clId="{CF1FAA12-072C-4ED5-BA76-0FFFAEFDB88A}" dt="2025-09-02T16:38:16.090" v="4" actId="20577"/>
+        <pc:chgData name="Zonghua Gu" userId="9a7e1853e1951ef5" providerId="LiveId" clId="{CF1FAA12-072C-4ED5-BA76-0FFFAEFDB88A}" dt="2025-09-03T00:33:53.486" v="364" actId="20577"/>
         <pc:sldMkLst>
           <pc:docMk/>
           <pc:sldMk cId="1214756730" sldId="256"/>
@@ -160,6 +160,14 @@
             <pc:docMk/>
             <pc:sldMk cId="1214756730" sldId="256"/>
             <ac:spMk id="2" creationId="{00000000-0000-0000-0000-000000000000}"/>
+          </ac:spMkLst>
+        </pc:spChg>
+        <pc:spChg chg="mod">
+          <ac:chgData name="Zonghua Gu" userId="9a7e1853e1951ef5" providerId="LiveId" clId="{CF1FAA12-072C-4ED5-BA76-0FFFAEFDB88A}" dt="2025-09-03T00:33:53.486" v="364" actId="20577"/>
+          <ac:spMkLst>
+            <pc:docMk/>
+            <pc:sldMk cId="1214756730" sldId="256"/>
+            <ac:spMk id="3" creationId="{00000000-0000-0000-0000-000000000000}"/>
           </ac:spMkLst>
         </pc:spChg>
       </pc:sldChg>
@@ -4068,6 +4076,16 @@
           <a:p>
             <a:r>
               <a:rPr lang="en-US" sz="2000">
+                <a:solidFill>
+                  <a:schemeClr val="tx1"/>
+                </a:solidFill>
+              </a:rPr>
+              <a:t>Zonghua Gu</a:t>
+            </a:r>
+          </a:p>
+          <a:p>
+            <a:r>
+              <a:rPr lang="en-US" sz="2000" dirty="0">
                 <a:solidFill>
                   <a:schemeClr val="tx1"/>
                 </a:solidFill>

--- a/PPTs/Lecture 0-course overview.pptx
+++ b/PPTs/Lecture 0-course overview.pptx
@@ -131,20 +131,12 @@
 </p:presentation>
 </file>
 
-<file path=ppt/revisionInfo.xml><?xml version="1.0" encoding="utf-8"?>
-<p1510:revInfo xmlns:a="http://schemas.openxmlformats.org/drawingml/2006/main" xmlns:r="http://schemas.openxmlformats.org/officeDocument/2006/relationships" xmlns:p1510="http://schemas.microsoft.com/office/powerpoint/2015/10/main">
-  <p1510:revLst>
-    <p1510:client id="{0B2FF43A-82C3-45B4-A214-03710A26D6A1}" v="22" dt="2025-09-02T17:42:48.538"/>
-  </p1510:revLst>
-</p1510:revInfo>
-</file>
-
 <file path=ppt/changesInfos/changesInfo1.xml><?xml version="1.0" encoding="utf-8"?>
 <pc:chgInfo xmlns:a="http://schemas.openxmlformats.org/drawingml/2006/main" xmlns:r="http://schemas.openxmlformats.org/officeDocument/2006/relationships" xmlns:ac="http://schemas.microsoft.com/office/drawing/2013/main/command" xmlns:pc="http://schemas.microsoft.com/office/powerpoint/2013/main/command">
   <pc:docChgLst>
     <pc:chgData name="Zonghua Gu" userId="9a7e1853e1951ef5" providerId="LiveId" clId="{CF1FAA12-072C-4ED5-BA76-0FFFAEFDB88A}"/>
     <pc:docChg chg="undo redo custSel addSld delSld modSld">
-      <pc:chgData name="Zonghua Gu" userId="9a7e1853e1951ef5" providerId="LiveId" clId="{CF1FAA12-072C-4ED5-BA76-0FFFAEFDB88A}" dt="2025-09-03T00:33:53.486" v="364" actId="20577"/>
+      <pc:chgData name="Zonghua Gu" userId="9a7e1853e1951ef5" providerId="LiveId" clId="{CF1FAA12-072C-4ED5-BA76-0FFFAEFDB88A}" dt="2025-09-04T23:49:48.758" v="382" actId="20577"/>
       <pc:docMkLst>
         <pc:docMk/>
       </pc:docMkLst>
@@ -187,35 +179,11 @@
         </pc:spChg>
       </pc:sldChg>
       <pc:sldChg chg="addSp delSp modSp mod">
-        <pc:chgData name="Zonghua Gu" userId="9a7e1853e1951ef5" providerId="LiveId" clId="{CF1FAA12-072C-4ED5-BA76-0FFFAEFDB88A}" dt="2025-09-02T17:53:13.371" v="353" actId="20577"/>
+        <pc:chgData name="Zonghua Gu" userId="9a7e1853e1951ef5" providerId="LiveId" clId="{CF1FAA12-072C-4ED5-BA76-0FFFAEFDB88A}" dt="2025-09-04T23:49:48.758" v="382" actId="20577"/>
         <pc:sldMkLst>
           <pc:docMk/>
           <pc:sldMk cId="3772300189" sldId="263"/>
         </pc:sldMkLst>
-        <pc:spChg chg="del mod">
-          <ac:chgData name="Zonghua Gu" userId="9a7e1853e1951ef5" providerId="LiveId" clId="{CF1FAA12-072C-4ED5-BA76-0FFFAEFDB88A}" dt="2025-09-02T16:51:16.232" v="139" actId="478"/>
-          <ac:spMkLst>
-            <pc:docMk/>
-            <pc:sldMk cId="3772300189" sldId="263"/>
-            <ac:spMk id="3" creationId="{00000000-0000-0000-0000-000000000000}"/>
-          </ac:spMkLst>
-        </pc:spChg>
-        <pc:spChg chg="del mod">
-          <ac:chgData name="Zonghua Gu" userId="9a7e1853e1951ef5" providerId="LiveId" clId="{CF1FAA12-072C-4ED5-BA76-0FFFAEFDB88A}" dt="2025-09-02T17:01:51.053" v="188" actId="478"/>
-          <ac:spMkLst>
-            <pc:docMk/>
-            <pc:sldMk cId="3772300189" sldId="263"/>
-            <ac:spMk id="4" creationId="{F4DF00CE-FFB2-0340-90EA-B73DF25FD24B}"/>
-          </ac:spMkLst>
-        </pc:spChg>
-        <pc:spChg chg="add del mod">
-          <ac:chgData name="Zonghua Gu" userId="9a7e1853e1951ef5" providerId="LiveId" clId="{CF1FAA12-072C-4ED5-BA76-0FFFAEFDB88A}" dt="2025-09-02T16:52:19.449" v="162"/>
-          <ac:spMkLst>
-            <pc:docMk/>
-            <pc:sldMk cId="3772300189" sldId="263"/>
-            <ac:spMk id="5" creationId="{A8FB6F24-384B-18C9-7B14-D32B480AB7B4}"/>
-          </ac:spMkLst>
-        </pc:spChg>
         <pc:spChg chg="add mod">
           <ac:chgData name="Zonghua Gu" userId="9a7e1853e1951ef5" providerId="LiveId" clId="{CF1FAA12-072C-4ED5-BA76-0FFFAEFDB88A}" dt="2025-09-02T16:53:30.006" v="183" actId="1038"/>
           <ac:spMkLst>
@@ -249,7 +217,7 @@
           </ac:spMkLst>
         </pc:spChg>
         <pc:spChg chg="add mod">
-          <ac:chgData name="Zonghua Gu" userId="9a7e1853e1951ef5" providerId="LiveId" clId="{CF1FAA12-072C-4ED5-BA76-0FFFAEFDB88A}" dt="2025-09-02T17:53:13.371" v="353" actId="20577"/>
+          <ac:chgData name="Zonghua Gu" userId="9a7e1853e1951ef5" providerId="LiveId" clId="{CF1FAA12-072C-4ED5-BA76-0FFFAEFDB88A}" dt="2025-09-04T23:49:48.758" v="382" actId="20577"/>
           <ac:spMkLst>
             <pc:docMk/>
             <pc:sldMk cId="3772300189" sldId="263"/>
@@ -280,20 +248,28 @@
           </ac:spMkLst>
         </pc:spChg>
       </pc:sldChg>
-      <pc:sldChg chg="modSp mod">
-        <pc:chgData name="Zonghua Gu" userId="9a7e1853e1951ef5" providerId="LiveId" clId="{CF1FAA12-072C-4ED5-BA76-0FFFAEFDB88A}" dt="2025-09-02T17:42:57.261" v="349" actId="20577"/>
+      <pc:sldChg chg="addSp modSp mod">
+        <pc:chgData name="Zonghua Gu" userId="9a7e1853e1951ef5" providerId="LiveId" clId="{CF1FAA12-072C-4ED5-BA76-0FFFAEFDB88A}" dt="2025-09-04T21:49:19.506" v="370" actId="1076"/>
         <pc:sldMkLst>
           <pc:docMk/>
           <pc:sldMk cId="178653079" sldId="265"/>
         </pc:sldMkLst>
         <pc:spChg chg="mod">
-          <ac:chgData name="Zonghua Gu" userId="9a7e1853e1951ef5" providerId="LiveId" clId="{CF1FAA12-072C-4ED5-BA76-0FFFAEFDB88A}" dt="2025-09-02T17:42:57.261" v="349" actId="20577"/>
+          <ac:chgData name="Zonghua Gu" userId="9a7e1853e1951ef5" providerId="LiveId" clId="{CF1FAA12-072C-4ED5-BA76-0FFFAEFDB88A}" dt="2025-09-04T21:49:18.399" v="369" actId="14100"/>
           <ac:spMkLst>
             <pc:docMk/>
             <pc:sldMk cId="178653079" sldId="265"/>
             <ac:spMk id="3" creationId="{4C753F46-04DC-0E7F-B563-1C508D6328EA}"/>
           </ac:spMkLst>
         </pc:spChg>
+        <pc:picChg chg="add mod">
+          <ac:chgData name="Zonghua Gu" userId="9a7e1853e1951ef5" providerId="LiveId" clId="{CF1FAA12-072C-4ED5-BA76-0FFFAEFDB88A}" dt="2025-09-04T21:49:19.506" v="370" actId="1076"/>
+          <ac:picMkLst>
+            <pc:docMk/>
+            <pc:sldMk cId="178653079" sldId="265"/>
+            <ac:picMk id="5" creationId="{122FF239-C044-6FCC-5BDA-2F4EFCBFF074}"/>
+          </ac:picMkLst>
+        </pc:picChg>
       </pc:sldChg>
       <pc:sldChg chg="modSp mod">
         <pc:chgData name="Zonghua Gu" userId="9a7e1853e1951ef5" providerId="LiveId" clId="{CF1FAA12-072C-4ED5-BA76-0FFFAEFDB88A}" dt="2025-09-02T17:50:25.086" v="352" actId="20577"/>
@@ -316,14 +292,6 @@
           <pc:docMk/>
           <pc:sldMk cId="3042677282" sldId="267"/>
         </pc:sldMkLst>
-        <pc:spChg chg="mod">
-          <ac:chgData name="Zonghua Gu" userId="9a7e1853e1951ef5" providerId="LiveId" clId="{CF1FAA12-072C-4ED5-BA76-0FFFAEFDB88A}" dt="2025-09-02T17:01:47.045" v="187" actId="15"/>
-          <ac:spMkLst>
-            <pc:docMk/>
-            <pc:sldMk cId="3042677282" sldId="267"/>
-            <ac:spMk id="3" creationId="{ED3A472F-FC3F-0140-54E8-BBA067FA0BBF}"/>
-          </ac:spMkLst>
-        </pc:spChg>
       </pc:sldChg>
     </pc:docChg>
   </pc:docChgLst>
@@ -412,7 +380,7 @@
           <a:p>
             <a:fld id="{42A0EB13-15AA-4F17-85B5-7D7BBF18EB40}" type="datetimeFigureOut">
               <a:rPr lang="en-SE" smtClean="0"/>
-              <a:t>09/02/2025</a:t>
+              <a:t>09/04/2025</a:t>
             </a:fld>
             <a:endParaRPr lang="en-SE"/>
           </a:p>
@@ -1149,7 +1117,7 @@
           <a:p>
             <a:fld id="{FB221443-D73C-634A-A910-7320408C156D}" type="datetimeFigureOut">
               <a:rPr lang="en-US" smtClean="0"/>
-              <a:t>9/2/2025</a:t>
+              <a:t>9/4/2025</a:t>
             </a:fld>
             <a:endParaRPr lang="en-US"/>
           </a:p>
@@ -1319,7 +1287,7 @@
           <a:p>
             <a:fld id="{FB221443-D73C-634A-A910-7320408C156D}" type="datetimeFigureOut">
               <a:rPr lang="en-US" smtClean="0"/>
-              <a:t>9/2/2025</a:t>
+              <a:t>9/4/2025</a:t>
             </a:fld>
             <a:endParaRPr lang="en-US"/>
           </a:p>
@@ -1499,7 +1467,7 @@
           <a:p>
             <a:fld id="{FB221443-D73C-634A-A910-7320408C156D}" type="datetimeFigureOut">
               <a:rPr lang="en-US" smtClean="0"/>
-              <a:t>9/2/2025</a:t>
+              <a:t>9/4/2025</a:t>
             </a:fld>
             <a:endParaRPr lang="en-US"/>
           </a:p>
@@ -1669,7 +1637,7 @@
           <a:p>
             <a:fld id="{FB221443-D73C-634A-A910-7320408C156D}" type="datetimeFigureOut">
               <a:rPr lang="en-US" smtClean="0"/>
-              <a:t>9/2/2025</a:t>
+              <a:t>9/4/2025</a:t>
             </a:fld>
             <a:endParaRPr lang="en-US"/>
           </a:p>
@@ -1915,7 +1883,7 @@
           <a:p>
             <a:fld id="{FB221443-D73C-634A-A910-7320408C156D}" type="datetimeFigureOut">
               <a:rPr lang="en-US" smtClean="0"/>
-              <a:t>9/2/2025</a:t>
+              <a:t>9/4/2025</a:t>
             </a:fld>
             <a:endParaRPr lang="en-US"/>
           </a:p>
@@ -2203,7 +2171,7 @@
           <a:p>
             <a:fld id="{FB221443-D73C-634A-A910-7320408C156D}" type="datetimeFigureOut">
               <a:rPr lang="en-US" smtClean="0"/>
-              <a:t>9/2/2025</a:t>
+              <a:t>9/4/2025</a:t>
             </a:fld>
             <a:endParaRPr lang="en-US"/>
           </a:p>
@@ -2625,7 +2593,7 @@
           <a:p>
             <a:fld id="{FB221443-D73C-634A-A910-7320408C156D}" type="datetimeFigureOut">
               <a:rPr lang="en-US" smtClean="0"/>
-              <a:t>9/2/2025</a:t>
+              <a:t>9/4/2025</a:t>
             </a:fld>
             <a:endParaRPr lang="en-US"/>
           </a:p>
@@ -2743,7 +2711,7 @@
           <a:p>
             <a:fld id="{FB221443-D73C-634A-A910-7320408C156D}" type="datetimeFigureOut">
               <a:rPr lang="en-US" smtClean="0"/>
-              <a:t>9/2/2025</a:t>
+              <a:t>9/4/2025</a:t>
             </a:fld>
             <a:endParaRPr lang="en-US"/>
           </a:p>
@@ -2838,7 +2806,7 @@
           <a:p>
             <a:fld id="{FB221443-D73C-634A-A910-7320408C156D}" type="datetimeFigureOut">
               <a:rPr lang="en-US" smtClean="0"/>
-              <a:t>9/2/2025</a:t>
+              <a:t>9/4/2025</a:t>
             </a:fld>
             <a:endParaRPr lang="en-US"/>
           </a:p>
@@ -3115,7 +3083,7 @@
           <a:p>
             <a:fld id="{FB221443-D73C-634A-A910-7320408C156D}" type="datetimeFigureOut">
               <a:rPr lang="en-US" smtClean="0"/>
-              <a:t>9/2/2025</a:t>
+              <a:t>9/4/2025</a:t>
             </a:fld>
             <a:endParaRPr lang="en-US"/>
           </a:p>
@@ -3368,7 +3336,7 @@
           <a:p>
             <a:fld id="{FB221443-D73C-634A-A910-7320408C156D}" type="datetimeFigureOut">
               <a:rPr lang="en-US" smtClean="0"/>
-              <a:t>9/2/2025</a:t>
+              <a:t>9/4/2025</a:t>
             </a:fld>
             <a:endParaRPr lang="en-US"/>
           </a:p>
@@ -3581,7 +3549,7 @@
           <a:p>
             <a:fld id="{FB221443-D73C-634A-A910-7320408C156D}" type="datetimeFigureOut">
               <a:rPr lang="en-US" smtClean="0"/>
-              <a:t>9/2/2025</a:t>
+              <a:t>9/4/2025</a:t>
             </a:fld>
             <a:endParaRPr lang="en-US"/>
           </a:p>
@@ -4431,26 +4399,25 @@
             <p:ph idx="1"/>
           </p:nvPr>
         </p:nvSpPr>
-        <p:spPr/>
-        <p:txBody>
-          <a:bodyPr/>
-          <a:lstStyle/>
-          <a:p>
-            <a:r>
-              <a:rPr lang="en-GB"/>
+        <p:spPr>
+          <a:xfrm>
+            <a:off x="457201" y="1600200"/>
+            <a:ext cx="5199806" cy="4525963"/>
+          </a:xfrm>
+        </p:spPr>
+        <p:txBody>
+          <a:bodyPr/>
+          <a:lstStyle/>
+          <a:p>
+            <a:r>
+              <a:rPr lang="en-GB" dirty="0"/>
               <a:t>Join the Discord channel: </a:t>
-            </a:r>
-            <a:r>
-              <a:rPr lang="en-GB">
-                <a:hlinkClick r:id="rId2"/>
-              </a:rPr>
-              <a:t>https</a:t>
             </a:r>
             <a:r>
               <a:rPr lang="en-GB" dirty="0">
                 <a:hlinkClick r:id="rId2"/>
               </a:rPr>
-              <a:t>://discord.gg/wEP6dhGqS8</a:t>
+              <a:t>https://discord.gg/wEP6dhGqS8</a:t>
             </a:r>
             <a:r>
               <a:rPr lang="en-GB" dirty="0"/>
@@ -4521,6 +4488,36 @@
           </a:p>
         </p:txBody>
       </p:sp>
+      <p:pic>
+        <p:nvPicPr>
+          <p:cNvPr id="5" name="Picture 4">
+            <a:extLst>
+              <a:ext uri="{FF2B5EF4-FFF2-40B4-BE49-F238E27FC236}">
+                <a16:creationId xmlns:a16="http://schemas.microsoft.com/office/drawing/2014/main" id="{122FF239-C044-6FCC-5BDA-2F4EFCBFF074}"/>
+              </a:ext>
+            </a:extLst>
+          </p:cNvPr>
+          <p:cNvPicPr>
+            <a:picLocks noChangeAspect="1"/>
+          </p:cNvPicPr>
+          <p:nvPr/>
+        </p:nvPicPr>
+        <p:blipFill>
+          <a:blip r:embed="rId5"/>
+          <a:stretch>
+            <a:fillRect/>
+          </a:stretch>
+        </p:blipFill>
+        <p:spPr>
+          <a:xfrm>
+            <a:off x="5509522" y="2139058"/>
+            <a:ext cx="3277057" cy="3248478"/>
+          </a:xfrm>
+          <a:prstGeom prst="rect">
+            <a:avLst/>
+          </a:prstGeom>
+        </p:spPr>
+      </p:pic>
     </p:spTree>
     <p:extLst>
       <p:ext uri="{BB962C8B-B14F-4D97-AF65-F5344CB8AC3E}">
@@ -5030,8 +5027,13 @@
             </a:r>
             <a:r>
               <a:rPr lang="en-US" dirty="0"/>
-              <a:t>: 30%</a:t>
-            </a:r>
+              <a:t>: </a:t>
+            </a:r>
+            <a:r>
+              <a:rPr lang="en-US"/>
+              <a:t>30% (10 + 20)</a:t>
+            </a:r>
+            <a:endParaRPr lang="en-US" dirty="0"/>
           </a:p>
           <a:p>
             <a:pPr lvl="1"/>
